--- a/develop/webデザイン.pptx
+++ b/develop/webデザイン.pptx
@@ -112,6 +112,14 @@
       </a:defRPr>
     </a:lvl9pPr>
   </p:defaultTextStyle>
+  <p:extLst>
+    <p:ext uri="{EFAFB233-063F-42B5-8137-9DF3F51BA10A}">
+      <p15:sldGuideLst xmlns:p15="http://schemas.microsoft.com/office/powerpoint/2012/main"/>
+    </p:ext>
+    <p:ext uri="{2D200454-40CA-4A62-9FC3-DE9A4176ACB9}">
+      <p15:notesGuideLst xmlns:p15="http://schemas.microsoft.com/office/powerpoint/2012/main"/>
+    </p:ext>
+  </p:extLst>
 </p:presentation>
 </file>
 
@@ -197,7 +205,7 @@
           <a:p>
             <a:fld id="{D64190DA-D7A5-45B1-84ED-761005EDF1C6}" type="datetimeFigureOut">
               <a:rPr kumimoji="1" lang="ja-JP" altLang="en-US" smtClean="0"/>
-              <a:t>2023/6/18</a:t>
+              <a:t>2023/9/3</a:t>
             </a:fld>
             <a:endParaRPr kumimoji="1" lang="ja-JP" altLang="en-US"/>
           </a:p>
@@ -1147,7 +1155,7 @@
           <a:p>
             <a:fld id="{8132D68A-0541-4DD9-9095-E3CA126950BD}" type="datetimeFigureOut">
               <a:rPr kumimoji="1" lang="ja-JP" altLang="en-US" smtClean="0"/>
-              <a:t>2023/6/18</a:t>
+              <a:t>2023/9/3</a:t>
             </a:fld>
             <a:endParaRPr kumimoji="1" lang="ja-JP" altLang="en-US"/>
           </a:p>
@@ -1377,7 +1385,7 @@
           <a:p>
             <a:fld id="{8132D68A-0541-4DD9-9095-E3CA126950BD}" type="datetimeFigureOut">
               <a:rPr kumimoji="1" lang="ja-JP" altLang="en-US" smtClean="0"/>
-              <a:t>2023/6/18</a:t>
+              <a:t>2023/9/3</a:t>
             </a:fld>
             <a:endParaRPr kumimoji="1" lang="ja-JP" altLang="en-US"/>
           </a:p>
@@ -1617,7 +1625,7 @@
           <a:p>
             <a:fld id="{8132D68A-0541-4DD9-9095-E3CA126950BD}" type="datetimeFigureOut">
               <a:rPr kumimoji="1" lang="ja-JP" altLang="en-US" smtClean="0"/>
-              <a:t>2023/6/18</a:t>
+              <a:t>2023/9/3</a:t>
             </a:fld>
             <a:endParaRPr kumimoji="1" lang="ja-JP" altLang="en-US"/>
           </a:p>
@@ -1847,7 +1855,7 @@
           <a:p>
             <a:fld id="{8132D68A-0541-4DD9-9095-E3CA126950BD}" type="datetimeFigureOut">
               <a:rPr kumimoji="1" lang="ja-JP" altLang="en-US" smtClean="0"/>
-              <a:t>2023/6/18</a:t>
+              <a:t>2023/9/3</a:t>
             </a:fld>
             <a:endParaRPr kumimoji="1" lang="ja-JP" altLang="en-US"/>
           </a:p>
@@ -2122,7 +2130,7 @@
           <a:p>
             <a:fld id="{8132D68A-0541-4DD9-9095-E3CA126950BD}" type="datetimeFigureOut">
               <a:rPr kumimoji="1" lang="ja-JP" altLang="en-US" smtClean="0"/>
-              <a:t>2023/6/18</a:t>
+              <a:t>2023/9/3</a:t>
             </a:fld>
             <a:endParaRPr kumimoji="1" lang="ja-JP" altLang="en-US"/>
           </a:p>
@@ -2451,7 +2459,7 @@
           <a:p>
             <a:fld id="{8132D68A-0541-4DD9-9095-E3CA126950BD}" type="datetimeFigureOut">
               <a:rPr kumimoji="1" lang="ja-JP" altLang="en-US" smtClean="0"/>
-              <a:t>2023/6/18</a:t>
+              <a:t>2023/9/3</a:t>
             </a:fld>
             <a:endParaRPr kumimoji="1" lang="ja-JP" altLang="en-US"/>
           </a:p>
@@ -2927,7 +2935,7 @@
           <a:p>
             <a:fld id="{8132D68A-0541-4DD9-9095-E3CA126950BD}" type="datetimeFigureOut">
               <a:rPr kumimoji="1" lang="ja-JP" altLang="en-US" smtClean="0"/>
-              <a:t>2023/6/18</a:t>
+              <a:t>2023/9/3</a:t>
             </a:fld>
             <a:endParaRPr kumimoji="1" lang="ja-JP" altLang="en-US"/>
           </a:p>
@@ -3068,7 +3076,7 @@
           <a:p>
             <a:fld id="{8132D68A-0541-4DD9-9095-E3CA126950BD}" type="datetimeFigureOut">
               <a:rPr kumimoji="1" lang="ja-JP" altLang="en-US" smtClean="0"/>
-              <a:t>2023/6/18</a:t>
+              <a:t>2023/9/3</a:t>
             </a:fld>
             <a:endParaRPr kumimoji="1" lang="ja-JP" altLang="en-US"/>
           </a:p>
@@ -3181,7 +3189,7 @@
           <a:p>
             <a:fld id="{8132D68A-0541-4DD9-9095-E3CA126950BD}" type="datetimeFigureOut">
               <a:rPr kumimoji="1" lang="ja-JP" altLang="en-US" smtClean="0"/>
-              <a:t>2023/6/18</a:t>
+              <a:t>2023/9/3</a:t>
             </a:fld>
             <a:endParaRPr kumimoji="1" lang="ja-JP" altLang="en-US"/>
           </a:p>
@@ -3524,7 +3532,7 @@
           <a:p>
             <a:fld id="{8132D68A-0541-4DD9-9095-E3CA126950BD}" type="datetimeFigureOut">
               <a:rPr kumimoji="1" lang="ja-JP" altLang="en-US" smtClean="0"/>
-              <a:t>2023/6/18</a:t>
+              <a:t>2023/9/3</a:t>
             </a:fld>
             <a:endParaRPr kumimoji="1" lang="ja-JP" altLang="en-US"/>
           </a:p>
@@ -3812,7 +3820,7 @@
           <a:p>
             <a:fld id="{8132D68A-0541-4DD9-9095-E3CA126950BD}" type="datetimeFigureOut">
               <a:rPr kumimoji="1" lang="ja-JP" altLang="en-US" smtClean="0"/>
-              <a:t>2023/6/18</a:t>
+              <a:t>2023/9/3</a:t>
             </a:fld>
             <a:endParaRPr kumimoji="1" lang="ja-JP" altLang="en-US"/>
           </a:p>
@@ -4085,7 +4093,7 @@
           <a:p>
             <a:fld id="{8132D68A-0541-4DD9-9095-E3CA126950BD}" type="datetimeFigureOut">
               <a:rPr kumimoji="1" lang="ja-JP" altLang="en-US" smtClean="0"/>
-              <a:t>2023/6/18</a:t>
+              <a:t>2023/9/3</a:t>
             </a:fld>
             <a:endParaRPr kumimoji="1" lang="ja-JP" altLang="en-US"/>
           </a:p>
